--- a/Presentazione.pptx
+++ b/Presentazione.pptx
@@ -16689,20 +16689,19 @@
                 <a:latin typeface="Times New Roman" panose="02020603050405020304" pitchFamily="18" charset="0"/>
                 <a:cs typeface="Times New Roman" panose="02020603050405020304" pitchFamily="18" charset="0"/>
               </a:rPr>
-              <a:t>): 1092.21 / 1214.49 / 3210.00</a:t>
-            </a:r>
-          </a:p>
-          <a:p>
-            <a:pPr>
-              <a:defRPr sz="2000"/>
-            </a:pPr>
-            <a:r>
-              <a:rPr lang="it-IT" sz="1600" b="0" dirty="0">
+              <a:t>): 1092.21 / 1214.49 </a:t>
+            </a:r>
+            <a:r>
+              <a:rPr lang="it-IT" sz="1600" b="0">
                 <a:latin typeface="Times New Roman" panose="02020603050405020304" pitchFamily="18" charset="0"/>
                 <a:cs typeface="Times New Roman" panose="02020603050405020304" pitchFamily="18" charset="0"/>
               </a:rPr>
-              <a:t>I puzzle T&amp;E(3) non sempre più lenti → vincoli più rigidi ⇒ meno combinazioni da esplorare</a:t>
-            </a:r>
+              <a:t>/ 3210.00</a:t>
+            </a:r>
+            <a:endParaRPr lang="it-IT" sz="1600" b="0" dirty="0">
+              <a:latin typeface="Times New Roman" panose="02020603050405020304" pitchFamily="18" charset="0"/>
+              <a:cs typeface="Times New Roman" panose="02020603050405020304" pitchFamily="18" charset="0"/>
+            </a:endParaRPr>
           </a:p>
         </p:txBody>
       </p:sp>
